--- a/04.bbs/public/gallery/1차 프로젝트.pptx
+++ b/04.bbs/public/gallery/1차 프로젝트.pptx
@@ -25,23 +25,24 @@
     <p:sldId id="270" r:id="rId21"/>
     <p:sldId id="271" r:id="rId22"/>
     <p:sldId id="272" r:id="rId23"/>
+    <p:sldId id="273" r:id="rId24"/>
   </p:sldIdLst>
   <p:sldSz cy="5143500" cx="9144000"/>
   <p:notesSz cx="6858000" cy="9144000"/>
   <p:embeddedFontLst>
     <p:embeddedFont>
       <p:font typeface="Economica"/>
-      <p:regular r:id="rId24"/>
-      <p:bold r:id="rId25"/>
-      <p:italic r:id="rId26"/>
-      <p:boldItalic r:id="rId27"/>
+      <p:regular r:id="rId25"/>
+      <p:bold r:id="rId26"/>
+      <p:italic r:id="rId27"/>
+      <p:boldItalic r:id="rId28"/>
     </p:embeddedFont>
     <p:embeddedFont>
       <p:font typeface="Open Sans"/>
-      <p:regular r:id="rId28"/>
-      <p:bold r:id="rId29"/>
-      <p:italic r:id="rId30"/>
-      <p:boldItalic r:id="rId31"/>
+      <p:regular r:id="rId29"/>
+      <p:bold r:id="rId30"/>
+      <p:italic r:id="rId31"/>
+      <p:boldItalic r:id="rId32"/>
     </p:embeddedFont>
   </p:embeddedFontLst>
   <p:defaultTextStyle>
@@ -1560,6 +1561,105 @@
       <p:sp>
         <p:nvSpPr>
           <p:cNvPr id="157" name="Google Shape;157;ga4b531a06c_3_249:notes"/>
+          <p:cNvSpPr txBox="1"/>
+          <p:nvPr>
+            <p:ph idx="1" type="body"/>
+          </p:nvPr>
+        </p:nvSpPr>
+        <p:spPr>
+          <a:xfrm>
+            <a:off x="685800" y="4343400"/>
+            <a:ext cx="5486400" cy="4114800"/>
+          </a:xfrm>
+          <a:prstGeom prst="rect">
+            <a:avLst/>
+          </a:prstGeom>
+        </p:spPr>
+        <p:txBody>
+          <a:bodyPr anchorCtr="0" anchor="t" bIns="91425" lIns="91425" spcFirstLastPara="1" rIns="91425" wrap="square" tIns="91425">
+            <a:noAutofit/>
+          </a:bodyPr>
+          <a:lstStyle/>
+          <a:p>
+            <a:pPr indent="0" lvl="0" marL="0" rtl="0" algn="l">
+              <a:spcBef>
+                <a:spcPts val="0"/>
+              </a:spcBef>
+              <a:spcAft>
+                <a:spcPts val="0"/>
+              </a:spcAft>
+              <a:buNone/>
+            </a:pPr>
+            <a:r>
+              <a:t/>
+            </a:r>
+            <a:endParaRPr/>
+          </a:p>
+        </p:txBody>
+      </p:sp>
+    </p:spTree>
+  </p:cSld>
+  <p:clrMapOvr>
+    <a:masterClrMapping/>
+  </p:clrMapOvr>
+</p:notes>
+</file>
+
+<file path=ppt/notesSlides/notesSlide18.xml><?xml version="1.0" encoding="utf-8"?>
+<p:notes xmlns:a="http://schemas.openxmlformats.org/drawingml/2006/main" xmlns:r="http://schemas.openxmlformats.org/officeDocument/2006/relationships" xmlns:mc="http://schemas.openxmlformats.org/markup-compatibility/2006" xmlns:mv="urn:schemas-microsoft-com:mac:vml" xmlns:p="http://schemas.openxmlformats.org/presentationml/2006/main" xmlns:c="http://schemas.openxmlformats.org/drawingml/2006/chart" xmlns:dgm="http://schemas.openxmlformats.org/drawingml/2006/diagram" xmlns:o="urn:schemas-microsoft-com:office:office" xmlns:v="urn:schemas-microsoft-com:vml" xmlns:pvml="urn:schemas-microsoft-com:office:powerpoint" xmlns:com="http://schemas.openxmlformats.org/drawingml/2006/compatibility" xmlns:p14="http://schemas.microsoft.com/office/powerpoint/2010/main" xmlns:p15="http://schemas.microsoft.com/office/powerpoint/2012/main" xmlns:ahyp="http://schemas.microsoft.com/office/drawing/2018/hyperlinkcolor" showMasterPhAnim="0" showMasterSp="0">
+  <p:cSld>
+    <p:spTree>
+      <p:nvGrpSpPr>
+        <p:cNvPr id="161" name="Shape 161"/>
+        <p:cNvGrpSpPr/>
+        <p:nvPr/>
+      </p:nvGrpSpPr>
+      <p:grpSpPr>
+        <a:xfrm>
+          <a:off x="0" y="0"/>
+          <a:ext cx="0" cy="0"/>
+          <a:chOff x="0" y="0"/>
+          <a:chExt cx="0" cy="0"/>
+        </a:xfrm>
+      </p:grpSpPr>
+      <p:sp>
+        <p:nvSpPr>
+          <p:cNvPr id="162" name="Google Shape;162;g9ebbe5ad57_0_0:notes"/>
+          <p:cNvSpPr/>
+          <p:nvPr>
+            <p:ph idx="2" type="sldImg"/>
+          </p:nvPr>
+        </p:nvSpPr>
+        <p:spPr>
+          <a:xfrm>
+            <a:off x="381300" y="685800"/>
+            <a:ext cx="6096000" cy="3429000"/>
+          </a:xfrm>
+          <a:custGeom>
+            <a:rect b="b" l="l" r="r" t="t"/>
+            <a:pathLst>
+              <a:path extrusionOk="0" h="120000" w="120000">
+                <a:moveTo>
+                  <a:pt x="0" y="0"/>
+                </a:moveTo>
+                <a:lnTo>
+                  <a:pt x="120000" y="0"/>
+                </a:lnTo>
+                <a:lnTo>
+                  <a:pt x="120000" y="120000"/>
+                </a:lnTo>
+                <a:lnTo>
+                  <a:pt x="0" y="120000"/>
+                </a:lnTo>
+                <a:close/>
+              </a:path>
+            </a:pathLst>
+          </a:custGeom>
+        </p:spPr>
+      </p:sp>
+      <p:sp>
+        <p:nvSpPr>
+          <p:cNvPr id="163" name="Google Shape;163;g9ebbe5ad57_0_0:notes"/>
           <p:cNvSpPr txBox="1"/>
           <p:nvPr>
             <p:ph idx="1" type="body"/>
@@ -8129,13 +8229,12 @@
           <p:cNvPicPr preferRelativeResize="0"/>
           <p:nvPr/>
         </p:nvPicPr>
-        <p:blipFill>
+        <p:blipFill rotWithShape="1">
           <a:blip r:embed="rId3">
             <a:alphaModFix/>
           </a:blip>
-          <a:stretch>
-            <a:fillRect/>
-          </a:stretch>
+          <a:srcRect b="0" l="0" r="0" t="0"/>
+          <a:stretch/>
         </p:blipFill>
         <p:spPr>
           <a:xfrm>
@@ -8244,13 +8343,12 @@
           <p:cNvPicPr preferRelativeResize="0"/>
           <p:nvPr/>
         </p:nvPicPr>
-        <p:blipFill>
+        <p:blipFill rotWithShape="1">
           <a:blip r:embed="rId3">
             <a:alphaModFix/>
           </a:blip>
-          <a:stretch>
-            <a:fillRect/>
-          </a:stretch>
+          <a:srcRect b="0" l="0" r="0" t="0"/>
+          <a:stretch/>
         </p:blipFill>
         <p:spPr>
           <a:xfrm>
@@ -8849,6 +8947,110 @@
 </p:sld>
 </file>
 
+<file path=ppt/slides/slide18.xml><?xml version="1.0" encoding="utf-8"?>
+<p:sld xmlns:a="http://schemas.openxmlformats.org/drawingml/2006/main" xmlns:r="http://schemas.openxmlformats.org/officeDocument/2006/relationships" xmlns:mc="http://schemas.openxmlformats.org/markup-compatibility/2006" xmlns:mv="urn:schemas-microsoft-com:mac:vml" xmlns:p="http://schemas.openxmlformats.org/presentationml/2006/main" xmlns:c="http://schemas.openxmlformats.org/drawingml/2006/chart" xmlns:dgm="http://schemas.openxmlformats.org/drawingml/2006/diagram" xmlns:o="urn:schemas-microsoft-com:office:office" xmlns:v="urn:schemas-microsoft-com:vml" xmlns:pvml="urn:schemas-microsoft-com:office:powerpoint" xmlns:com="http://schemas.openxmlformats.org/drawingml/2006/compatibility" xmlns:p14="http://schemas.microsoft.com/office/powerpoint/2010/main" xmlns:p15="http://schemas.microsoft.com/office/powerpoint/2012/main" xmlns:ahyp="http://schemas.microsoft.com/office/drawing/2018/hyperlinkcolor">
+  <p:cSld>
+    <p:spTree>
+      <p:nvGrpSpPr>
+        <p:cNvPr id="164" name="Shape 164"/>
+        <p:cNvGrpSpPr/>
+        <p:nvPr/>
+      </p:nvGrpSpPr>
+      <p:grpSpPr>
+        <a:xfrm>
+          <a:off x="0" y="0"/>
+          <a:ext cx="0" cy="0"/>
+          <a:chOff x="0" y="0"/>
+          <a:chExt cx="0" cy="0"/>
+        </a:xfrm>
+      </p:grpSpPr>
+      <p:sp>
+        <p:nvSpPr>
+          <p:cNvPr id="165" name="Google Shape;165;p30"/>
+          <p:cNvSpPr txBox="1"/>
+          <p:nvPr>
+            <p:ph type="title"/>
+          </p:nvPr>
+        </p:nvSpPr>
+        <p:spPr>
+          <a:xfrm>
+            <a:off x="311700" y="957125"/>
+            <a:ext cx="8520600" cy="2128800"/>
+          </a:xfrm>
+          <a:prstGeom prst="rect">
+            <a:avLst/>
+          </a:prstGeom>
+        </p:spPr>
+        <p:txBody>
+          <a:bodyPr anchorCtr="0" anchor="ctr" bIns="91425" lIns="91425" spcFirstLastPara="1" rIns="91425" wrap="square" tIns="91425">
+            <a:noAutofit/>
+          </a:bodyPr>
+          <a:lstStyle/>
+          <a:p>
+            <a:pPr indent="0" lvl="0" marL="0" rtl="0" algn="ctr">
+              <a:spcBef>
+                <a:spcPts val="0"/>
+              </a:spcBef>
+              <a:spcAft>
+                <a:spcPts val="0"/>
+              </a:spcAft>
+              <a:buNone/>
+            </a:pPr>
+            <a:r>
+              <a:rPr lang="ko"/>
+              <a:t>끝</a:t>
+            </a:r>
+            <a:endParaRPr/>
+          </a:p>
+        </p:txBody>
+      </p:sp>
+      <p:sp>
+        <p:nvSpPr>
+          <p:cNvPr id="166" name="Google Shape;166;p30"/>
+          <p:cNvSpPr txBox="1"/>
+          <p:nvPr>
+            <p:ph idx="1" type="body"/>
+          </p:nvPr>
+        </p:nvSpPr>
+        <p:spPr>
+          <a:xfrm>
+            <a:off x="311700" y="3162000"/>
+            <a:ext cx="8520600" cy="1071600"/>
+          </a:xfrm>
+          <a:prstGeom prst="rect">
+            <a:avLst/>
+          </a:prstGeom>
+        </p:spPr>
+        <p:txBody>
+          <a:bodyPr anchorCtr="0" anchor="t" bIns="91425" lIns="91425" spcFirstLastPara="1" rIns="91425" wrap="square" tIns="91425">
+            <a:noAutofit/>
+          </a:bodyPr>
+          <a:lstStyle/>
+          <a:p>
+            <a:pPr indent="0" lvl="0" marL="0" rtl="0" algn="ctr">
+              <a:spcBef>
+                <a:spcPts val="0"/>
+              </a:spcBef>
+              <a:spcAft>
+                <a:spcPts val="1600"/>
+              </a:spcAft>
+              <a:buNone/>
+            </a:pPr>
+            <a:r>
+              <a:t/>
+            </a:r>
+            <a:endParaRPr/>
+          </a:p>
+        </p:txBody>
+      </p:sp>
+    </p:spTree>
+  </p:cSld>
+  <p:clrMapOvr>
+    <a:masterClrMapping/>
+  </p:clrMapOvr>
+</p:sld>
+</file>
+
 <file path=ppt/slides/slide2.xml><?xml version="1.0" encoding="utf-8"?>
 <p:sld xmlns:a="http://schemas.openxmlformats.org/drawingml/2006/main" xmlns:r="http://schemas.openxmlformats.org/officeDocument/2006/relationships" xmlns:mc="http://schemas.openxmlformats.org/markup-compatibility/2006" xmlns:mv="urn:schemas-microsoft-com:mac:vml" xmlns:p="http://schemas.openxmlformats.org/presentationml/2006/main" xmlns:c="http://schemas.openxmlformats.org/drawingml/2006/chart" xmlns:dgm="http://schemas.openxmlformats.org/drawingml/2006/diagram" xmlns:o="urn:schemas-microsoft-com:office:office" xmlns:v="urn:schemas-microsoft-com:vml" xmlns:pvml="urn:schemas-microsoft-com:office:powerpoint" xmlns:com="http://schemas.openxmlformats.org/drawingml/2006/compatibility" xmlns:p14="http://schemas.microsoft.com/office/powerpoint/2010/main" xmlns:p15="http://schemas.microsoft.com/office/powerpoint/2012/main" xmlns:ahyp="http://schemas.microsoft.com/office/drawing/2018/hyperlinkcolor">
   <p:cSld>
@@ -8949,7 +9151,7 @@
             <a:endParaRPr sz="1300"/>
           </a:p>
           <a:p>
-            <a:pPr indent="179999" lvl="0" marL="0" rtl="0" algn="l">
+            <a:pPr indent="0" lvl="0" marL="540000" rtl="0" algn="l">
               <a:lnSpc>
                 <a:spcPct val="100000"/>
               </a:lnSpc>
@@ -8968,7 +9170,7 @@
             <a:endParaRPr sz="1300"/>
           </a:p>
           <a:p>
-            <a:pPr indent="179999" lvl="0" marL="0" rtl="0" algn="l">
+            <a:pPr indent="0" lvl="0" marL="540000" rtl="0" algn="l">
               <a:lnSpc>
                 <a:spcPct val="100000"/>
               </a:lnSpc>
@@ -8982,12 +9184,12 @@
             </a:pPr>
             <a:r>
               <a:rPr lang="ko" sz="1300"/>
-              <a:t>+-util.js</a:t>
+              <a:t>+-userRouter.js</a:t>
             </a:r>
             <a:endParaRPr sz="1300"/>
           </a:p>
           <a:p>
-            <a:pPr indent="179999" lvl="0" marL="0" rtl="0" algn="l">
+            <a:pPr indent="0" lvl="0" marL="540000" rtl="0" algn="l">
               <a:lnSpc>
                 <a:spcPct val="100000"/>
               </a:lnSpc>
@@ -9001,12 +9203,12 @@
             </a:pPr>
             <a:r>
               <a:rPr lang="ko" sz="1300"/>
-              <a:t>+-db/</a:t>
+              <a:t>+-db/                   +-db-init.js</a:t>
             </a:r>
             <a:endParaRPr sz="1300"/>
           </a:p>
           <a:p>
-            <a:pPr indent="179999" lvl="0" marL="0" rtl="0" algn="l">
+            <a:pPr indent="0" lvl="0" marL="540000" rtl="0" algn="l">
               <a:lnSpc>
                 <a:spcPct val="100000"/>
               </a:lnSpc>
@@ -9020,12 +9222,12 @@
             </a:pPr>
             <a:r>
               <a:rPr lang="ko" sz="1300"/>
-              <a:t>|</a:t>
+              <a:t>|                           +-db-module.js</a:t>
             </a:r>
             <a:endParaRPr sz="1300"/>
           </a:p>
           <a:p>
-            <a:pPr indent="179999" lvl="0" marL="0" rtl="0" algn="l">
+            <a:pPr indent="0" lvl="0" marL="540000" rtl="0" algn="l">
               <a:lnSpc>
                 <a:spcPct val="100000"/>
               </a:lnSpc>
@@ -9044,7 +9246,7 @@
             <a:endParaRPr sz="1300"/>
           </a:p>
           <a:p>
-            <a:pPr indent="179999" lvl="0" marL="0" rtl="0" algn="l">
+            <a:pPr indent="0" lvl="0" marL="540000" rtl="0" algn="l">
               <a:lnSpc>
                 <a:spcPct val="100000"/>
               </a:lnSpc>
@@ -9063,7 +9265,7 @@
             <a:endParaRPr sz="1300"/>
           </a:p>
           <a:p>
-            <a:pPr indent="179999" lvl="0" marL="0" rtl="0" algn="l">
+            <a:pPr indent="0" lvl="0" marL="540000" rtl="0" algn="l">
               <a:lnSpc>
                 <a:spcPct val="100000"/>
               </a:lnSpc>
@@ -9077,12 +9279,12 @@
             </a:pPr>
             <a:r>
               <a:rPr lang="ko" sz="1300"/>
-              <a:t>+-public/</a:t>
+              <a:t>+-public/            +-fontawesome/</a:t>
             </a:r>
             <a:endParaRPr sz="1300"/>
           </a:p>
           <a:p>
-            <a:pPr indent="179999" lvl="0" marL="0" rtl="0" algn="l">
+            <a:pPr indent="0" lvl="0" marL="540000" rtl="0" algn="l">
               <a:lnSpc>
                 <a:spcPct val="100000"/>
               </a:lnSpc>
@@ -9096,12 +9298,12 @@
             </a:pPr>
             <a:r>
               <a:rPr lang="ko" sz="1300"/>
-              <a:t>|</a:t>
+              <a:t>|                          +-img/</a:t>
             </a:r>
             <a:endParaRPr sz="1300"/>
           </a:p>
           <a:p>
-            <a:pPr indent="179999" lvl="0" marL="0" rtl="0" algn="l">
+            <a:pPr indent="0" lvl="0" marL="540000" rtl="0" algn="l">
               <a:lnSpc>
                 <a:spcPct val="100000"/>
               </a:lnSpc>
@@ -9115,12 +9317,31 @@
             </a:pPr>
             <a:r>
               <a:rPr lang="ko" sz="1300"/>
-              <a:t>+-sesion/</a:t>
+              <a:t>|                          +-uploads/</a:t>
             </a:r>
             <a:endParaRPr sz="1300"/>
           </a:p>
           <a:p>
-            <a:pPr indent="179999" lvl="0" marL="0" rtl="0" algn="l">
+            <a:pPr indent="0" lvl="0" marL="540000" rtl="0" algn="l">
+              <a:lnSpc>
+                <a:spcPct val="100000"/>
+              </a:lnSpc>
+              <a:spcBef>
+                <a:spcPts val="0"/>
+              </a:spcBef>
+              <a:spcAft>
+                <a:spcPts val="0"/>
+              </a:spcAft>
+              <a:buNone/>
+            </a:pPr>
+            <a:r>
+              <a:rPr lang="ko" sz="1300"/>
+              <a:t>+-sesion/           </a:t>
+            </a:r>
+            <a:endParaRPr sz="1300"/>
+          </a:p>
+          <a:p>
+            <a:pPr indent="0" lvl="0" marL="540000" rtl="0" algn="l">
               <a:lnSpc>
                 <a:spcPct val="100000"/>
               </a:lnSpc>
@@ -9139,7 +9360,7 @@
             <a:endParaRPr sz="1300"/>
           </a:p>
           <a:p>
-            <a:pPr indent="179999" lvl="0" marL="0" rtl="0" algn="l">
+            <a:pPr indent="0" lvl="0" marL="540000" rtl="0" algn="l">
               <a:lnSpc>
                 <a:spcPct val="100000"/>
               </a:lnSpc>
@@ -9158,7 +9379,7 @@
             <a:endParaRPr sz="1300"/>
           </a:p>
           <a:p>
-            <a:pPr indent="0" lvl="0" marL="0" rtl="0" algn="l">
+            <a:pPr indent="0" lvl="0" marL="540000" rtl="0" algn="l">
               <a:lnSpc>
                 <a:spcPct val="100000"/>
               </a:lnSpc>
@@ -9184,7 +9405,7 @@
           <p:nvPr/>
         </p:nvGraphicFramePr>
         <p:xfrm>
-          <a:off x="3706400" y="1336188"/>
+          <a:off x="5402025" y="1398613"/>
           <a:ext cx="3000000" cy="3000000"/>
         </p:xfrm>
         <a:graphic>
@@ -9192,10 +9413,9 @@
             <a:tbl>
               <a:tblPr>
                 <a:noFill/>
-                <a:tableStyleId>{42F9BB19-8F2B-44B9-A88A-0E4DACA856A1}</a:tableStyleId>
+                <a:tableStyleId>{C5F08F06-9272-4803-86EB-7B38818269E1}</a:tableStyleId>
               </a:tblPr>
               <a:tblGrid>
-                <a:gridCol w="1500950"/>
                 <a:gridCol w="1500950"/>
                 <a:gridCol w="1500950"/>
               </a:tblGrid>
@@ -9240,29 +9460,6 @@
                       <a:r>
                         <a:rPr b="1" lang="ko" sz="1000"/>
                         <a:t>view파일</a:t>
-                      </a:r>
-                      <a:endParaRPr b="1" sz="1000"/>
-                    </a:p>
-                  </a:txBody>
-                  <a:tcPr marT="91425" marB="91425" marR="91425" marL="91425"/>
-                </a:tc>
-                <a:tc>
-                  <a:txBody>
-                    <a:bodyPr/>
-                    <a:lstStyle/>
-                    <a:p>
-                      <a:pPr indent="0" lvl="0" marL="0" rtl="0" algn="l">
-                        <a:spcBef>
-                          <a:spcPts val="0"/>
-                        </a:spcBef>
-                        <a:spcAft>
-                          <a:spcPts val="0"/>
-                        </a:spcAft>
-                        <a:buNone/>
-                      </a:pPr>
-                      <a:r>
-                        <a:rPr b="1" lang="ko" sz="1000"/>
-                        <a:t>비고</a:t>
                       </a:r>
                       <a:endParaRPr b="1" sz="1000"/>
                     </a:p>
@@ -9326,17 +9523,10 @@
                       </a:pPr>
                       <a:r>
                         <a:rPr lang="ko" sz="1000"/>
-                        <a:t>alertMsg.js</a:t>
+                        <a:t>alertMessage.js</a:t>
                       </a:r>
                       <a:endParaRPr sz="1000"/>
                     </a:p>
-                  </a:txBody>
-                  <a:tcPr marT="91425" marB="91425" marR="91425" marL="91425"/>
-                </a:tc>
-                <a:tc>
-                  <a:txBody>
-                    <a:bodyPr/>
-                    <a:lstStyle/>
                     <a:p>
                       <a:pPr indent="0" lvl="0" marL="0" rtl="0" algn="l">
                         <a:spcBef>
@@ -9348,7 +9538,8 @@
                         <a:buNone/>
                       </a:pPr>
                       <a:r>
-                        <a:t/>
+                        <a:rPr lang="ko" sz="1000"/>
+                        <a:t>util.js</a:t>
                       </a:r>
                       <a:endParaRPr sz="1000"/>
                     </a:p>
@@ -9403,6 +9594,8 @@
                   </a:txBody>
                   <a:tcPr marT="91425" marB="91425" marR="91425" marL="91425"/>
                 </a:tc>
+              </a:tr>
+              <a:tr h="494225">
                 <a:tc>
                   <a:txBody>
                     <a:bodyPr/>
@@ -9418,7 +9611,31 @@
                         <a:buNone/>
                       </a:pPr>
                       <a:r>
-                        <a:t/>
+                        <a:rPr b="1" lang="ko" sz="1000"/>
+                        <a:t>BBS</a:t>
+                      </a:r>
+                      <a:endParaRPr b="1" sz="1000"/>
+                    </a:p>
+                  </a:txBody>
+                  <a:tcPr marT="91425" marB="91425" marR="91425" marL="91425"/>
+                </a:tc>
+                <a:tc>
+                  <a:txBody>
+                    <a:bodyPr/>
+                    <a:lstStyle/>
+                    <a:p>
+                      <a:pPr indent="0" lvl="0" marL="0" rtl="0" algn="l">
+                        <a:spcBef>
+                          <a:spcPts val="0"/>
+                        </a:spcBef>
+                        <a:spcAft>
+                          <a:spcPts val="0"/>
+                        </a:spcAft>
+                        <a:buNone/>
+                      </a:pPr>
+                      <a:r>
+                        <a:rPr lang="ko" sz="1000"/>
+                        <a:t>mainForm.js</a:t>
                       </a:r>
                       <a:endParaRPr sz="1000"/>
                     </a:p>
@@ -9443,7 +9660,7 @@
                       </a:pPr>
                       <a:r>
                         <a:rPr b="1" lang="ko" sz="1000"/>
-                        <a:t>BBS</a:t>
+                        <a:t>USER</a:t>
                       </a:r>
                       <a:endParaRPr b="1" sz="1000"/>
                     </a:p>
@@ -9462,76 +9679,6 @@
                         <a:spcAft>
                           <a:spcPts val="0"/>
                         </a:spcAft>
-                        <a:buNone/>
-                      </a:pPr>
-                      <a:r>
-                        <a:rPr lang="ko" sz="1000"/>
-                        <a:t>mainForm.js</a:t>
-                      </a:r>
-                      <a:endParaRPr sz="1000"/>
-                    </a:p>
-                  </a:txBody>
-                  <a:tcPr marT="91425" marB="91425" marR="91425" marL="91425"/>
-                </a:tc>
-                <a:tc>
-                  <a:txBody>
-                    <a:bodyPr/>
-                    <a:lstStyle/>
-                    <a:p>
-                      <a:pPr indent="0" lvl="0" marL="0" rtl="0" algn="l">
-                        <a:spcBef>
-                          <a:spcPts val="0"/>
-                        </a:spcBef>
-                        <a:spcAft>
-                          <a:spcPts val="0"/>
-                        </a:spcAft>
-                        <a:buNone/>
-                      </a:pPr>
-                      <a:r>
-                        <a:t/>
-                      </a:r>
-                      <a:endParaRPr sz="1000"/>
-                    </a:p>
-                  </a:txBody>
-                  <a:tcPr marT="91425" marB="91425" marR="91425" marL="91425"/>
-                </a:tc>
-              </a:tr>
-              <a:tr h="494225">
-                <a:tc>
-                  <a:txBody>
-                    <a:bodyPr/>
-                    <a:lstStyle/>
-                    <a:p>
-                      <a:pPr indent="0" lvl="0" marL="0" rtl="0" algn="l">
-                        <a:spcBef>
-                          <a:spcPts val="0"/>
-                        </a:spcBef>
-                        <a:spcAft>
-                          <a:spcPts val="0"/>
-                        </a:spcAft>
-                        <a:buNone/>
-                      </a:pPr>
-                      <a:r>
-                        <a:rPr b="1" lang="ko" sz="1000"/>
-                        <a:t>USER</a:t>
-                      </a:r>
-                      <a:endParaRPr b="1" sz="1000"/>
-                    </a:p>
-                  </a:txBody>
-                  <a:tcPr marT="91425" marB="91425" marR="91425" marL="91425"/>
-                </a:tc>
-                <a:tc>
-                  <a:txBody>
-                    <a:bodyPr/>
-                    <a:lstStyle/>
-                    <a:p>
-                      <a:pPr indent="0" lvl="0" marL="0" rtl="0" algn="l">
-                        <a:spcBef>
-                          <a:spcPts val="0"/>
-                        </a:spcBef>
-                        <a:spcAft>
-                          <a:spcPts val="0"/>
-                        </a:spcAft>
                         <a:buClr>
                           <a:schemeClr val="dk1"/>
                         </a:buClr>
@@ -9562,28 +9709,6 @@
                       <a:r>
                         <a:rPr lang="ko" sz="1000"/>
                         <a:t>userRegister.js</a:t>
-                      </a:r>
-                      <a:endParaRPr sz="1000"/>
-                    </a:p>
-                  </a:txBody>
-                  <a:tcPr marT="91425" marB="91425" marR="91425" marL="91425"/>
-                </a:tc>
-                <a:tc>
-                  <a:txBody>
-                    <a:bodyPr/>
-                    <a:lstStyle/>
-                    <a:p>
-                      <a:pPr indent="0" lvl="0" marL="0" rtl="0" algn="l">
-                        <a:spcBef>
-                          <a:spcPts val="0"/>
-                        </a:spcBef>
-                        <a:spcAft>
-                          <a:spcPts val="0"/>
-                        </a:spcAft>
-                        <a:buNone/>
-                      </a:pPr>
-                      <a:r>
-                        <a:t/>
                       </a:r>
                       <a:endParaRPr sz="1000"/>
                     </a:p>
@@ -9701,7 +9826,7 @@
             <a:tbl>
               <a:tblPr>
                 <a:noFill/>
-                <a:tableStyleId>{42F9BB19-8F2B-44B9-A88A-0E4DACA856A1}</a:tableStyleId>
+                <a:tableStyleId>{C5F08F06-9272-4803-86EB-7B38818269E1}</a:tableStyleId>
               </a:tblPr>
               <a:tblGrid>
                 <a:gridCol w="1608975"/>
@@ -10417,7 +10542,7 @@
             <a:tbl>
               <a:tblPr>
                 <a:noFill/>
-                <a:tableStyleId>{42F9BB19-8F2B-44B9-A88A-0E4DACA856A1}</a:tableStyleId>
+                <a:tableStyleId>{C5F08F06-9272-4803-86EB-7B38818269E1}</a:tableStyleId>
               </a:tblPr>
               <a:tblGrid>
                 <a:gridCol w="1775575"/>
@@ -11919,7 +12044,7 @@
             <a:tbl>
               <a:tblPr>
                 <a:noFill/>
-                <a:tableStyleId>{42F9BB19-8F2B-44B9-A88A-0E4DACA856A1}</a:tableStyleId>
+                <a:tableStyleId>{C5F08F06-9272-4803-86EB-7B38818269E1}</a:tableStyleId>
               </a:tblPr>
               <a:tblGrid>
                 <a:gridCol w="1775575"/>
@@ -13616,6 +13741,285 @@
 </file>
 
 <file path=ppt/theme/theme1.xml><?xml version="1.0" encoding="utf-8"?>
+<a:theme xmlns:a="http://schemas.openxmlformats.org/drawingml/2006/main" xmlns:r="http://schemas.openxmlformats.org/officeDocument/2006/relationships">
+  <a:themeElements>
+    <a:clrScheme name="Default">
+      <a:dk1>
+        <a:srgbClr val="000000"/>
+      </a:dk1>
+      <a:lt1>
+        <a:srgbClr val="FFFFFF"/>
+      </a:lt1>
+      <a:dk2>
+        <a:srgbClr val="158158"/>
+      </a:dk2>
+      <a:lt2>
+        <a:srgbClr val="F3F3F3"/>
+      </a:lt2>
+      <a:accent1>
+        <a:srgbClr val="058DC7"/>
+      </a:accent1>
+      <a:accent2>
+        <a:srgbClr val="50B432"/>
+      </a:accent2>
+      <a:accent3>
+        <a:srgbClr val="ED561B"/>
+      </a:accent3>
+      <a:accent4>
+        <a:srgbClr val="EDEF00"/>
+      </a:accent4>
+      <a:accent5>
+        <a:srgbClr val="24CBE5"/>
+      </a:accent5>
+      <a:accent6>
+        <a:srgbClr val="64E572"/>
+      </a:accent6>
+      <a:hlink>
+        <a:srgbClr val="2200CC"/>
+      </a:hlink>
+      <a:folHlink>
+        <a:srgbClr val="551A8B"/>
+      </a:folHlink>
+    </a:clrScheme>
+    <a:fontScheme name="Office">
+      <a:majorFont>
+        <a:latin typeface="Arial"/>
+        <a:ea typeface=""/>
+        <a:cs typeface=""/>
+        <a:font script="Jpan" typeface="ＭＳ Ｐゴシック"/>
+        <a:font script="Hang" typeface="맑은 고딕"/>
+        <a:font script="Hans" typeface="宋体"/>
+        <a:font script="Hant" typeface="新細明體"/>
+        <a:font script="Arab" typeface="Times New Roman"/>
+        <a:font script="Hebr" typeface="Times New Roman"/>
+        <a:font script="Thai" typeface="Angsana New"/>
+        <a:font script="Ethi" typeface="Nyala"/>
+        <a:font script="Beng" typeface="Vrinda"/>
+        <a:font script="Gujr" typeface="Shruti"/>
+        <a:font script="Khmr" typeface="MoolBoran"/>
+        <a:font script="Knda" typeface="Tunga"/>
+        <a:font script="Guru" typeface="Raavi"/>
+        <a:font script="Cans" typeface="Euphemia"/>
+        <a:font script="Cher" typeface="Plantagenet Cherokee"/>
+        <a:font script="Yiii" typeface="Microsoft Yi Baiti"/>
+        <a:font script="Tibt" typeface="Microsoft Himalaya"/>
+        <a:font script="Thaa" typeface="MV Boli"/>
+        <a:font script="Deva" typeface="Mangal"/>
+        <a:font script="Telu" typeface="Gautami"/>
+        <a:font script="Taml" typeface="Latha"/>
+        <a:font script="Syrc" typeface="Estrangelo Edessa"/>
+        <a:font script="Orya" typeface="Kalinga"/>
+        <a:font script="Mlym" typeface="Kartika"/>
+        <a:font script="Laoo" typeface="DokChampa"/>
+        <a:font script="Sinh" typeface="Iskoola Pota"/>
+        <a:font script="Mong" typeface="Mongolian Baiti"/>
+        <a:font script="Viet" typeface="Times New Roman"/>
+        <a:font script="Uigh" typeface="Microsoft Uighur"/>
+        <a:font script="Geor" typeface="Sylfaen"/>
+      </a:majorFont>
+      <a:minorFont>
+        <a:latin typeface="Arial"/>
+        <a:ea typeface=""/>
+        <a:cs typeface=""/>
+        <a:font script="Jpan" typeface="ＭＳ Ｐゴシック"/>
+        <a:font script="Hang" typeface="맑은 고딕"/>
+        <a:font script="Hans" typeface="宋体"/>
+        <a:font script="Hant" typeface="新細明體"/>
+        <a:font script="Arab" typeface="Arial"/>
+        <a:font script="Hebr" typeface="Arial"/>
+        <a:font script="Thai" typeface="Cordia New"/>
+        <a:font script="Ethi" typeface="Nyala"/>
+        <a:font script="Beng" typeface="Vrinda"/>
+        <a:font script="Gujr" typeface="Shruti"/>
+        <a:font script="Khmr" typeface="DaunPenh"/>
+        <a:font script="Knda" typeface="Tunga"/>
+        <a:font script="Guru" typeface="Raavi"/>
+        <a:font script="Cans" typeface="Euphemia"/>
+        <a:font script="Cher" typeface="Plantagenet Cherokee"/>
+        <a:font script="Yiii" typeface="Microsoft Yi Baiti"/>
+        <a:font script="Tibt" typeface="Microsoft Himalaya"/>
+        <a:font script="Thaa" typeface="MV Boli"/>
+        <a:font script="Deva" typeface="Mangal"/>
+        <a:font script="Telu" typeface="Gautami"/>
+        <a:font script="Taml" typeface="Latha"/>
+        <a:font script="Syrc" typeface="Estrangelo Edessa"/>
+        <a:font script="Orya" typeface="Kalinga"/>
+        <a:font script="Mlym" typeface="Kartika"/>
+        <a:font script="Laoo" typeface="DokChampa"/>
+        <a:font script="Sinh" typeface="Iskoola Pota"/>
+        <a:font script="Mong" typeface="Mongolian Baiti"/>
+        <a:font script="Viet" typeface="Arial"/>
+        <a:font script="Uigh" typeface="Microsoft Uighur"/>
+        <a:font script="Geor" typeface="Sylfaen"/>
+      </a:minorFont>
+    </a:fontScheme>
+    <a:fmtScheme name="Office">
+      <a:fillStyleLst>
+        <a:solidFill>
+          <a:schemeClr val="phClr"/>
+        </a:solidFill>
+        <a:gradFill rotWithShape="1">
+          <a:gsLst>
+            <a:gs pos="0">
+              <a:schemeClr val="phClr">
+                <a:tint val="50000"/>
+                <a:satMod val="300000"/>
+              </a:schemeClr>
+            </a:gs>
+            <a:gs pos="35000">
+              <a:schemeClr val="phClr">
+                <a:tint val="37000"/>
+                <a:satMod val="300000"/>
+              </a:schemeClr>
+            </a:gs>
+            <a:gs pos="100000">
+              <a:schemeClr val="phClr">
+                <a:tint val="15000"/>
+                <a:satMod val="350000"/>
+              </a:schemeClr>
+            </a:gs>
+          </a:gsLst>
+          <a:lin ang="16200000" scaled="1"/>
+        </a:gradFill>
+        <a:gradFill rotWithShape="1">
+          <a:gsLst>
+            <a:gs pos="0">
+              <a:schemeClr val="phClr">
+                <a:tint val="100000"/>
+                <a:shade val="100000"/>
+                <a:satMod val="130000"/>
+              </a:schemeClr>
+            </a:gs>
+            <a:gs pos="100000">
+              <a:schemeClr val="phClr">
+                <a:tint val="50000"/>
+                <a:shade val="100000"/>
+                <a:satMod val="350000"/>
+              </a:schemeClr>
+            </a:gs>
+          </a:gsLst>
+          <a:lin ang="16200000" scaled="0"/>
+        </a:gradFill>
+      </a:fillStyleLst>
+      <a:lnStyleLst>
+        <a:ln w="9525" cap="flat" cmpd="sng" algn="ctr">
+          <a:solidFill>
+            <a:schemeClr val="phClr">
+              <a:shade val="95000"/>
+              <a:satMod val="105000"/>
+            </a:schemeClr>
+          </a:solidFill>
+          <a:prstDash val="solid"/>
+        </a:ln>
+        <a:ln w="25400" cap="flat" cmpd="sng" algn="ctr">
+          <a:solidFill>
+            <a:schemeClr val="phClr"/>
+          </a:solidFill>
+          <a:prstDash val="solid"/>
+        </a:ln>
+        <a:ln w="38100" cap="flat" cmpd="sng" algn="ctr">
+          <a:solidFill>
+            <a:schemeClr val="phClr"/>
+          </a:solidFill>
+          <a:prstDash val="solid"/>
+        </a:ln>
+      </a:lnStyleLst>
+      <a:effectStyleLst>
+        <a:effectStyle>
+          <a:effectLst>
+            <a:outerShdw blurRad="40000" dist="20000" dir="5400000" rotWithShape="0">
+              <a:srgbClr val="000000">
+                <a:alpha val="38000"/>
+              </a:srgbClr>
+            </a:outerShdw>
+          </a:effectLst>
+        </a:effectStyle>
+        <a:effectStyle>
+          <a:effectLst>
+            <a:outerShdw blurRad="40000" dist="23000" dir="5400000" rotWithShape="0">
+              <a:srgbClr val="000000">
+                <a:alpha val="35000"/>
+              </a:srgbClr>
+            </a:outerShdw>
+          </a:effectLst>
+        </a:effectStyle>
+        <a:effectStyle>
+          <a:effectLst>
+            <a:outerShdw blurRad="40000" dist="23000" dir="5400000" rotWithShape="0">
+              <a:srgbClr val="000000">
+                <a:alpha val="35000"/>
+              </a:srgbClr>
+            </a:outerShdw>
+          </a:effectLst>
+          <a:scene3d>
+            <a:camera prst="orthographicFront">
+              <a:rot lat="0" lon="0" rev="0"/>
+            </a:camera>
+            <a:lightRig rig="threePt" dir="t">
+              <a:rot lat="0" lon="0" rev="1200000"/>
+            </a:lightRig>
+          </a:scene3d>
+          <a:sp3d>
+            <a:bevelT w="63500" h="25400"/>
+          </a:sp3d>
+        </a:effectStyle>
+      </a:effectStyleLst>
+      <a:bgFillStyleLst>
+        <a:solidFill>
+          <a:schemeClr val="phClr"/>
+        </a:solidFill>
+        <a:gradFill rotWithShape="1">
+          <a:gsLst>
+            <a:gs pos="0">
+              <a:schemeClr val="phClr">
+                <a:tint val="40000"/>
+                <a:satMod val="350000"/>
+              </a:schemeClr>
+            </a:gs>
+            <a:gs pos="40000">
+              <a:schemeClr val="phClr">
+                <a:tint val="45000"/>
+                <a:shade val="99000"/>
+                <a:satMod val="350000"/>
+              </a:schemeClr>
+            </a:gs>
+            <a:gs pos="100000">
+              <a:schemeClr val="phClr">
+                <a:shade val="20000"/>
+                <a:satMod val="255000"/>
+              </a:schemeClr>
+            </a:gs>
+          </a:gsLst>
+          <a:path path="circle">
+            <a:fillToRect l="50000" t="-80000" r="50000" b="180000"/>
+          </a:path>
+        </a:gradFill>
+        <a:gradFill rotWithShape="1">
+          <a:gsLst>
+            <a:gs pos="0">
+              <a:schemeClr val="phClr">
+                <a:tint val="80000"/>
+                <a:satMod val="300000"/>
+              </a:schemeClr>
+            </a:gs>
+            <a:gs pos="100000">
+              <a:schemeClr val="phClr">
+                <a:shade val="30000"/>
+                <a:satMod val="200000"/>
+              </a:schemeClr>
+            </a:gs>
+          </a:gsLst>
+          <a:path path="circle">
+            <a:fillToRect l="50000" t="50000" r="50000" b="50000"/>
+          </a:path>
+        </a:gradFill>
+      </a:bgFillStyleLst>
+    </a:fmtScheme>
+  </a:themeElements>
+</a:theme>
+</file>
+
+<file path=ppt/theme/theme2.xml><?xml version="1.0" encoding="utf-8"?>
 <a:theme xmlns:a="http://schemas.openxmlformats.org/drawingml/2006/main" xmlns:r="http://schemas.openxmlformats.org/officeDocument/2006/relationships" name="Luxe">
   <a:themeElements>
     <a:clrScheme name="Luxe">
@@ -13892,283 +14296,4 @@
     </a:fmtScheme>
   </a:themeElements>
 </a:theme>
-</file>
-
-<file path=ppt/theme/theme2.xml><?xml version="1.0" encoding="utf-8"?>
-<a:theme xmlns:a="http://schemas.openxmlformats.org/drawingml/2006/main" xmlns:r="http://schemas.openxmlformats.org/officeDocument/2006/relationships">
-  <a:themeElements>
-    <a:clrScheme name="Default">
-      <a:dk1>
-        <a:srgbClr val="000000"/>
-      </a:dk1>
-      <a:lt1>
-        <a:srgbClr val="FFFFFF"/>
-      </a:lt1>
-      <a:dk2>
-        <a:srgbClr val="158158"/>
-      </a:dk2>
-      <a:lt2>
-        <a:srgbClr val="F3F3F3"/>
-      </a:lt2>
-      <a:accent1>
-        <a:srgbClr val="058DC7"/>
-      </a:accent1>
-      <a:accent2>
-        <a:srgbClr val="50B432"/>
-      </a:accent2>
-      <a:accent3>
-        <a:srgbClr val="ED561B"/>
-      </a:accent3>
-      <a:accent4>
-        <a:srgbClr val="EDEF00"/>
-      </a:accent4>
-      <a:accent5>
-        <a:srgbClr val="24CBE5"/>
-      </a:accent5>
-      <a:accent6>
-        <a:srgbClr val="64E572"/>
-      </a:accent6>
-      <a:hlink>
-        <a:srgbClr val="2200CC"/>
-      </a:hlink>
-      <a:folHlink>
-        <a:srgbClr val="551A8B"/>
-      </a:folHlink>
-    </a:clrScheme>
-    <a:fontScheme name="Office">
-      <a:majorFont>
-        <a:latin typeface="Arial"/>
-        <a:ea typeface=""/>
-        <a:cs typeface=""/>
-        <a:font script="Jpan" typeface="ＭＳ Ｐゴシック"/>
-        <a:font script="Hang" typeface="맑은 고딕"/>
-        <a:font script="Hans" typeface="宋体"/>
-        <a:font script="Hant" typeface="新細明體"/>
-        <a:font script="Arab" typeface="Times New Roman"/>
-        <a:font script="Hebr" typeface="Times New Roman"/>
-        <a:font script="Thai" typeface="Angsana New"/>
-        <a:font script="Ethi" typeface="Nyala"/>
-        <a:font script="Beng" typeface="Vrinda"/>
-        <a:font script="Gujr" typeface="Shruti"/>
-        <a:font script="Khmr" typeface="MoolBoran"/>
-        <a:font script="Knda" typeface="Tunga"/>
-        <a:font script="Guru" typeface="Raavi"/>
-        <a:font script="Cans" typeface="Euphemia"/>
-        <a:font script="Cher" typeface="Plantagenet Cherokee"/>
-        <a:font script="Yiii" typeface="Microsoft Yi Baiti"/>
-        <a:font script="Tibt" typeface="Microsoft Himalaya"/>
-        <a:font script="Thaa" typeface="MV Boli"/>
-        <a:font script="Deva" typeface="Mangal"/>
-        <a:font script="Telu" typeface="Gautami"/>
-        <a:font script="Taml" typeface="Latha"/>
-        <a:font script="Syrc" typeface="Estrangelo Edessa"/>
-        <a:font script="Orya" typeface="Kalinga"/>
-        <a:font script="Mlym" typeface="Kartika"/>
-        <a:font script="Laoo" typeface="DokChampa"/>
-        <a:font script="Sinh" typeface="Iskoola Pota"/>
-        <a:font script="Mong" typeface="Mongolian Baiti"/>
-        <a:font script="Viet" typeface="Times New Roman"/>
-        <a:font script="Uigh" typeface="Microsoft Uighur"/>
-        <a:font script="Geor" typeface="Sylfaen"/>
-      </a:majorFont>
-      <a:minorFont>
-        <a:latin typeface="Arial"/>
-        <a:ea typeface=""/>
-        <a:cs typeface=""/>
-        <a:font script="Jpan" typeface="ＭＳ Ｐゴシック"/>
-        <a:font script="Hang" typeface="맑은 고딕"/>
-        <a:font script="Hans" typeface="宋体"/>
-        <a:font script="Hant" typeface="新細明體"/>
-        <a:font script="Arab" typeface="Arial"/>
-        <a:font script="Hebr" typeface="Arial"/>
-        <a:font script="Thai" typeface="Cordia New"/>
-        <a:font script="Ethi" typeface="Nyala"/>
-        <a:font script="Beng" typeface="Vrinda"/>
-        <a:font script="Gujr" typeface="Shruti"/>
-        <a:font script="Khmr" typeface="DaunPenh"/>
-        <a:font script="Knda" typeface="Tunga"/>
-        <a:font script="Guru" typeface="Raavi"/>
-        <a:font script="Cans" typeface="Euphemia"/>
-        <a:font script="Cher" typeface="Plantagenet Cherokee"/>
-        <a:font script="Yiii" typeface="Microsoft Yi Baiti"/>
-        <a:font script="Tibt" typeface="Microsoft Himalaya"/>
-        <a:font script="Thaa" typeface="MV Boli"/>
-        <a:font script="Deva" typeface="Mangal"/>
-        <a:font script="Telu" typeface="Gautami"/>
-        <a:font script="Taml" typeface="Latha"/>
-        <a:font script="Syrc" typeface="Estrangelo Edessa"/>
-        <a:font script="Orya" typeface="Kalinga"/>
-        <a:font script="Mlym" typeface="Kartika"/>
-        <a:font script="Laoo" typeface="DokChampa"/>
-        <a:font script="Sinh" typeface="Iskoola Pota"/>
-        <a:font script="Mong" typeface="Mongolian Baiti"/>
-        <a:font script="Viet" typeface="Arial"/>
-        <a:font script="Uigh" typeface="Microsoft Uighur"/>
-        <a:font script="Geor" typeface="Sylfaen"/>
-      </a:minorFont>
-    </a:fontScheme>
-    <a:fmtScheme name="Office">
-      <a:fillStyleLst>
-        <a:solidFill>
-          <a:schemeClr val="phClr"/>
-        </a:solidFill>
-        <a:gradFill rotWithShape="1">
-          <a:gsLst>
-            <a:gs pos="0">
-              <a:schemeClr val="phClr">
-                <a:tint val="50000"/>
-                <a:satMod val="300000"/>
-              </a:schemeClr>
-            </a:gs>
-            <a:gs pos="35000">
-              <a:schemeClr val="phClr">
-                <a:tint val="37000"/>
-                <a:satMod val="300000"/>
-              </a:schemeClr>
-            </a:gs>
-            <a:gs pos="100000">
-              <a:schemeClr val="phClr">
-                <a:tint val="15000"/>
-                <a:satMod val="350000"/>
-              </a:schemeClr>
-            </a:gs>
-          </a:gsLst>
-          <a:lin ang="16200000" scaled="1"/>
-        </a:gradFill>
-        <a:gradFill rotWithShape="1">
-          <a:gsLst>
-            <a:gs pos="0">
-              <a:schemeClr val="phClr">
-                <a:tint val="100000"/>
-                <a:shade val="100000"/>
-                <a:satMod val="130000"/>
-              </a:schemeClr>
-            </a:gs>
-            <a:gs pos="100000">
-              <a:schemeClr val="phClr">
-                <a:tint val="50000"/>
-                <a:shade val="100000"/>
-                <a:satMod val="350000"/>
-              </a:schemeClr>
-            </a:gs>
-          </a:gsLst>
-          <a:lin ang="16200000" scaled="0"/>
-        </a:gradFill>
-      </a:fillStyleLst>
-      <a:lnStyleLst>
-        <a:ln w="9525" cap="flat" cmpd="sng" algn="ctr">
-          <a:solidFill>
-            <a:schemeClr val="phClr">
-              <a:shade val="95000"/>
-              <a:satMod val="105000"/>
-            </a:schemeClr>
-          </a:solidFill>
-          <a:prstDash val="solid"/>
-        </a:ln>
-        <a:ln w="25400" cap="flat" cmpd="sng" algn="ctr">
-          <a:solidFill>
-            <a:schemeClr val="phClr"/>
-          </a:solidFill>
-          <a:prstDash val="solid"/>
-        </a:ln>
-        <a:ln w="38100" cap="flat" cmpd="sng" algn="ctr">
-          <a:solidFill>
-            <a:schemeClr val="phClr"/>
-          </a:solidFill>
-          <a:prstDash val="solid"/>
-        </a:ln>
-      </a:lnStyleLst>
-      <a:effectStyleLst>
-        <a:effectStyle>
-          <a:effectLst>
-            <a:outerShdw blurRad="40000" dist="20000" dir="5400000" rotWithShape="0">
-              <a:srgbClr val="000000">
-                <a:alpha val="38000"/>
-              </a:srgbClr>
-            </a:outerShdw>
-          </a:effectLst>
-        </a:effectStyle>
-        <a:effectStyle>
-          <a:effectLst>
-            <a:outerShdw blurRad="40000" dist="23000" dir="5400000" rotWithShape="0">
-              <a:srgbClr val="000000">
-                <a:alpha val="35000"/>
-              </a:srgbClr>
-            </a:outerShdw>
-          </a:effectLst>
-        </a:effectStyle>
-        <a:effectStyle>
-          <a:effectLst>
-            <a:outerShdw blurRad="40000" dist="23000" dir="5400000" rotWithShape="0">
-              <a:srgbClr val="000000">
-                <a:alpha val="35000"/>
-              </a:srgbClr>
-            </a:outerShdw>
-          </a:effectLst>
-          <a:scene3d>
-            <a:camera prst="orthographicFront">
-              <a:rot lat="0" lon="0" rev="0"/>
-            </a:camera>
-            <a:lightRig rig="threePt" dir="t">
-              <a:rot lat="0" lon="0" rev="1200000"/>
-            </a:lightRig>
-          </a:scene3d>
-          <a:sp3d>
-            <a:bevelT w="63500" h="25400"/>
-          </a:sp3d>
-        </a:effectStyle>
-      </a:effectStyleLst>
-      <a:bgFillStyleLst>
-        <a:solidFill>
-          <a:schemeClr val="phClr"/>
-        </a:solidFill>
-        <a:gradFill rotWithShape="1">
-          <a:gsLst>
-            <a:gs pos="0">
-              <a:schemeClr val="phClr">
-                <a:tint val="40000"/>
-                <a:satMod val="350000"/>
-              </a:schemeClr>
-            </a:gs>
-            <a:gs pos="40000">
-              <a:schemeClr val="phClr">
-                <a:tint val="45000"/>
-                <a:shade val="99000"/>
-                <a:satMod val="350000"/>
-              </a:schemeClr>
-            </a:gs>
-            <a:gs pos="100000">
-              <a:schemeClr val="phClr">
-                <a:shade val="20000"/>
-                <a:satMod val="255000"/>
-              </a:schemeClr>
-            </a:gs>
-          </a:gsLst>
-          <a:path path="circle">
-            <a:fillToRect l="50000" t="-80000" r="50000" b="180000"/>
-          </a:path>
-        </a:gradFill>
-        <a:gradFill rotWithShape="1">
-          <a:gsLst>
-            <a:gs pos="0">
-              <a:schemeClr val="phClr">
-                <a:tint val="80000"/>
-                <a:satMod val="300000"/>
-              </a:schemeClr>
-            </a:gs>
-            <a:gs pos="100000">
-              <a:schemeClr val="phClr">
-                <a:shade val="30000"/>
-                <a:satMod val="200000"/>
-              </a:schemeClr>
-            </a:gs>
-          </a:gsLst>
-          <a:path path="circle">
-            <a:fillToRect l="50000" t="50000" r="50000" b="50000"/>
-          </a:path>
-        </a:gradFill>
-      </a:bgFillStyleLst>
-    </a:fmtScheme>
-  </a:themeElements>
-</a:theme>
 </file>